--- a/materials/Snake-wave-PowerPoint-Diagram.pptx
+++ b/materials/Snake-wave-PowerPoint-Diagram.pptx
@@ -1117,7 +1117,7 @@
         </p:nvSpPr>
         <p:spPr>
           <a:xfrm>
-            <a:off x="915360" y="5549784"/>
+            <a:off x="925092" y="5549784"/>
             <a:ext cx="2122686" cy="646331"/>
           </a:xfrm>
           <a:prstGeom prst="rect">
@@ -1137,10 +1137,18 @@
               </a:spcAft>
             </a:pPr>
             <a:r>
-              <a:rPr lang="en-US" sz="1200" b="1" cap="all" noProof="1"/>
+              <a:rPr lang="en-US" sz="1200" b="1" cap="all" noProof="1">
+                <a:latin typeface="Open Sans" pitchFamily="2" charset="0"/>
+                <a:ea typeface="Open Sans" pitchFamily="2" charset="0"/>
+                <a:cs typeface="Open Sans" pitchFamily="2" charset="0"/>
+              </a:rPr>
               <a:t>Independence was proclaimed on August 24, 1991</a:t>
             </a:r>
-            <a:endParaRPr lang="en-US" sz="600" noProof="1"/>
+            <a:endParaRPr lang="en-US" sz="600" noProof="1">
+              <a:latin typeface="Open Sans" pitchFamily="2" charset="0"/>
+              <a:ea typeface="Open Sans" pitchFamily="2" charset="0"/>
+              <a:cs typeface="Open Sans" pitchFamily="2" charset="0"/>
+            </a:endParaRPr>
           </a:p>
         </p:txBody>
       </p:sp>
@@ -1159,7 +1167,7 @@
         <p:spPr>
           <a:xfrm>
             <a:off x="4190714" y="5549784"/>
-            <a:ext cx="2122686" cy="646331"/>
+            <a:ext cx="2122686" cy="461665"/>
           </a:xfrm>
           <a:prstGeom prst="rect">
             <a:avLst/>
@@ -1178,8 +1186,12 @@
               </a:spcAft>
             </a:pPr>
             <a:r>
-              <a:rPr lang="en-US" sz="1200" b="1" cap="all" noProof="1"/>
-              <a:t>‘Orange’ revolution &amp; Eurovision 1st award</a:t>
+              <a:rPr lang="en-US" sz="1200" b="1" cap="all" noProof="1">
+                <a:latin typeface="Open Sans" pitchFamily="2" charset="0"/>
+                <a:ea typeface="Open Sans" pitchFamily="2" charset="0"/>
+                <a:cs typeface="Open Sans" pitchFamily="2" charset="0"/>
+              </a:rPr>
+              <a:t>revolution of dignity &amp; Eurovision 1st award</a:t>
             </a:r>
           </a:p>
         </p:txBody>
@@ -1218,7 +1230,11 @@
               </a:spcAft>
             </a:pPr>
             <a:r>
-              <a:rPr lang="en-US" sz="1200" b="1" cap="all" noProof="1"/>
+              <a:rPr lang="en-US" sz="1200" b="1" cap="all" noProof="1">
+                <a:latin typeface="Open Sans" pitchFamily="2" charset="0"/>
+                <a:ea typeface="Open Sans" pitchFamily="2" charset="0"/>
+                <a:cs typeface="Open Sans" pitchFamily="2" charset="0"/>
+              </a:rPr>
               <a:t>Eurovision 1st award</a:t>
             </a:r>
           </a:p>
@@ -1239,7 +1255,7 @@
         <p:spPr>
           <a:xfrm>
             <a:off x="2553037" y="2071177"/>
-            <a:ext cx="2122686" cy="646331"/>
+            <a:ext cx="2122686" cy="461665"/>
           </a:xfrm>
           <a:prstGeom prst="rect">
             <a:avLst/>
@@ -1258,7 +1274,11 @@
               </a:spcAft>
             </a:pPr>
             <a:r>
-              <a:rPr lang="en-US" sz="1200" b="1" cap="all" noProof="1"/>
+              <a:rPr lang="en-US" sz="1200" b="1" cap="all" noProof="1">
+                <a:latin typeface="Open Sans" pitchFamily="2" charset="0"/>
+                <a:ea typeface="Open Sans" pitchFamily="2" charset="0"/>
+                <a:cs typeface="Open Sans" pitchFamily="2" charset="0"/>
+              </a:rPr>
               <a:t>‘Orange’ revolution &amp; Eurovision 1st award</a:t>
             </a:r>
           </a:p>
@@ -1298,10 +1318,18 @@
               </a:spcAft>
             </a:pPr>
             <a:r>
-              <a:rPr lang="en-GB" sz="1200" b="1" cap="all" dirty="0"/>
+              <a:rPr lang="en-GB" sz="1200" b="1" cap="all" dirty="0">
+                <a:latin typeface="Open Sans" pitchFamily="2" charset="0"/>
+                <a:ea typeface="Open Sans" pitchFamily="2" charset="0"/>
+                <a:cs typeface="Open Sans" pitchFamily="2" charset="0"/>
+              </a:rPr>
               <a:t>The Revolution of Dignity</a:t>
             </a:r>
-            <a:endParaRPr lang="en-US" sz="1200" b="1" cap="all" noProof="1"/>
+            <a:endParaRPr lang="en-US" sz="1200" b="1" cap="all" noProof="1">
+              <a:latin typeface="Open Sans" pitchFamily="2" charset="0"/>
+              <a:ea typeface="Open Sans" pitchFamily="2" charset="0"/>
+              <a:cs typeface="Open Sans" pitchFamily="2" charset="0"/>
+            </a:endParaRPr>
           </a:p>
         </p:txBody>
       </p:sp>
@@ -1339,15 +1367,27 @@
               </a:spcAft>
             </a:pPr>
             <a:r>
-              <a:rPr lang="en-US" sz="1200" b="1" cap="all" noProof="1"/>
+              <a:rPr lang="en-US" sz="1200" b="1" cap="all" noProof="1">
+                <a:latin typeface="Open Sans" pitchFamily="2" charset="0"/>
+                <a:ea typeface="Open Sans" pitchFamily="2" charset="0"/>
+                <a:cs typeface="Open Sans" pitchFamily="2" charset="0"/>
+              </a:rPr>
               <a:t>EUROPEAN path</a:t>
             </a:r>
             <a:r>
-              <a:rPr lang="en-GB" sz="1200" b="1" cap="all" noProof="1"/>
+              <a:rPr lang="en-GB" sz="1200" b="1" cap="all" noProof="1">
+                <a:latin typeface="Open Sans" pitchFamily="2" charset="0"/>
+                <a:ea typeface="Open Sans" pitchFamily="2" charset="0"/>
+                <a:cs typeface="Open Sans" pitchFamily="2" charset="0"/>
+              </a:rPr>
               <a:t> </a:t>
             </a:r>
             <a:r>
-              <a:rPr lang="en-US" sz="1200" b="1" cap="all" noProof="1"/>
+              <a:rPr lang="en-US" sz="1200" b="1" cap="all" noProof="1">
+                <a:latin typeface="Open Sans" pitchFamily="2" charset="0"/>
+                <a:ea typeface="Open Sans" pitchFamily="2" charset="0"/>
+                <a:cs typeface="Open Sans" pitchFamily="2" charset="0"/>
+              </a:rPr>
               <a:t>WAS declared officially</a:t>
             </a:r>
           </a:p>
